--- a/I.D.E.A/2학기 동아리 발표.pptx
+++ b/I.D.E.A/2학기 동아리 발표.pptx
@@ -958,7 +958,7 @@
   <pc:docChgLst>
     <pc:chgData name="민성 김" userId="3d33fc1c61ffb58f" providerId="LiveId" clId="{158970F7-18EA-494C-8E18-6CC94C330F3F}"/>
     <pc:docChg chg="undo custSel modSld">
-      <pc:chgData name="민성 김" userId="3d33fc1c61ffb58f" providerId="LiveId" clId="{158970F7-18EA-494C-8E18-6CC94C330F3F}" dt="2023-10-25T01:06:39.278" v="41" actId="1076"/>
+      <pc:chgData name="민성 김" userId="3d33fc1c61ffb58f" providerId="LiveId" clId="{158970F7-18EA-494C-8E18-6CC94C330F3F}" dt="2023-10-25T01:43:02.773" v="85" actId="20577"/>
       <pc:docMkLst>
         <pc:docMk/>
       </pc:docMkLst>
@@ -996,6 +996,21 @@
           <ac:spMkLst>
             <pc:docMk/>
             <pc:sldMk cId="26529317" sldId="285"/>
+            <ac:spMk id="9" creationId="{A06659D7-1BE6-4408-9772-3C6BC2789165}"/>
+          </ac:spMkLst>
+        </pc:spChg>
+      </pc:sldChg>
+      <pc:sldChg chg="modSp mod">
+        <pc:chgData name="민성 김" userId="3d33fc1c61ffb58f" providerId="LiveId" clId="{158970F7-18EA-494C-8E18-6CC94C330F3F}" dt="2023-10-25T01:43:02.773" v="85" actId="20577"/>
+        <pc:sldMkLst>
+          <pc:docMk/>
+          <pc:sldMk cId="2100527579" sldId="286"/>
+        </pc:sldMkLst>
+        <pc:spChg chg="mod">
+          <ac:chgData name="민성 김" userId="3d33fc1c61ffb58f" providerId="LiveId" clId="{158970F7-18EA-494C-8E18-6CC94C330F3F}" dt="2023-10-25T01:43:02.773" v="85" actId="20577"/>
+          <ac:spMkLst>
+            <pc:docMk/>
+            <pc:sldMk cId="2100527579" sldId="286"/>
             <ac:spMk id="9" creationId="{A06659D7-1BE6-4408-9772-3C6BC2789165}"/>
           </ac:spMkLst>
         </pc:spChg>
@@ -35133,34 +35148,33 @@
               <a:buChar char="•"/>
             </a:pPr>
             <a:r>
-              <a:rPr lang="ko-KR" altLang="en-US" sz="2800" b="1" i="0" dirty="0">
+              <a:rPr lang="ko-KR" altLang="en-US" sz="2800" b="1">
+                <a:solidFill>
+                  <a:srgbClr val="00B0F0"/>
+                </a:solidFill>
+                <a:latin typeface="Söhne"/>
+              </a:rPr>
+              <a:t>정확도를 높일</a:t>
+            </a:r>
+            <a:r>
+              <a:rPr lang="ko-KR" altLang="en-US" sz="2800" b="1" i="0">
                 <a:solidFill>
                   <a:srgbClr val="00B0F0"/>
                 </a:solidFill>
                 <a:effectLst/>
                 <a:latin typeface="Söhne"/>
               </a:rPr>
-              <a:t>결측 값을 </a:t>
-            </a:r>
-            <a:r>
-              <a:rPr lang="en-US" altLang="ko-KR" sz="2800" b="1" i="0" dirty="0">
+              <a:t> </a:t>
+            </a:r>
+            <a:r>
+              <a:rPr lang="ko-KR" altLang="en-US" sz="2800" b="1" i="0" dirty="0">
                 <a:solidFill>
                   <a:srgbClr val="00B0F0"/>
                 </a:solidFill>
                 <a:effectLst/>
                 <a:latin typeface="Söhne"/>
               </a:rPr>
-              <a:t>0</a:t>
-            </a:r>
-            <a:r>
-              <a:rPr lang="ko-KR" altLang="en-US" sz="2800" b="1" i="0" dirty="0">
-                <a:solidFill>
-                  <a:srgbClr val="00B0F0"/>
-                </a:solidFill>
-                <a:effectLst/>
-                <a:latin typeface="Söhne"/>
-              </a:rPr>
-              <a:t>으로 처리하지 않고 다른 방법을 찾으려 했지만 오류로 어려움을 겪었으며</a:t>
+              <a:t>다른 방법을 찾으려 했지만 오류로 어려움을 겪었으며</a:t>
             </a:r>
             <a:r>
               <a:rPr lang="en-US" altLang="ko-KR" sz="2800" b="1" i="0" dirty="0">
@@ -39173,15 +39187,6 @@
 </file>
 
 <file path=customXml/item1.xml><?xml version="1.0" encoding="utf-8"?>
-<?mso-contentType ?>
-<FormTemplates xmlns="http://schemas.microsoft.com/sharepoint/v3/contenttype/forms">
-  <Display>DocumentLibraryForm</Display>
-  <Edit>DocumentLibraryForm</Edit>
-  <New>DocumentLibraryForm</New>
-</FormTemplates>
-</file>
-
-<file path=customXml/item2.xml><?xml version="1.0" encoding="utf-8"?>
 <ct:contentTypeSchema xmlns:ct="http://schemas.microsoft.com/office/2006/metadata/contentType" xmlns:ma="http://schemas.microsoft.com/office/2006/metadata/properties/metaAttributes" ct:_="" ma:_="" ma:contentTypeName="Document" ma:contentTypeID="0x01010079F111ED35F8CC479449609E8A0923A6" ma:contentTypeVersion="11" ma:contentTypeDescription="Create a new document." ma:contentTypeScope="" ma:versionID="9677210f24a1be23c92c90fd886aa0aa">
   <xsd:schema xmlns:xsd="http://www.w3.org/2001/XMLSchema" xmlns:xs="http://www.w3.org/2001/XMLSchema" xmlns:p="http://schemas.microsoft.com/office/2006/metadata/properties" xmlns:ns2="71af3243-3dd4-4a8d-8c0d-dd76da1f02a5" xmlns:ns3="16c05727-aa75-4e4a-9b5f-8a80a1165891" targetNamespace="http://schemas.microsoft.com/office/2006/metadata/properties" ma:root="true" ma:fieldsID="60e05723c5c1908df1a1a4ebf11d344e" ns2:_="" ns3:_="">
     <xsd:import namespace="71af3243-3dd4-4a8d-8c0d-dd76da1f02a5"/>
@@ -39392,6 +39397,15 @@
 </ct:contentTypeSchema>
 </file>
 
+<file path=customXml/item2.xml><?xml version="1.0" encoding="utf-8"?>
+<?mso-contentType ?>
+<FormTemplates xmlns="http://schemas.microsoft.com/sharepoint/v3/contenttype/forms">
+  <Display>DocumentLibraryForm</Display>
+  <Edit>DocumentLibraryForm</Edit>
+  <New>DocumentLibraryForm</New>
+</FormTemplates>
+</file>
+
 <file path=customXml/item3.xml><?xml version="1.0" encoding="utf-8"?>
 <p:properties xmlns:p="http://schemas.microsoft.com/office/2006/metadata/properties" xmlns:xsi="http://www.w3.org/2001/XMLSchema-instance" xmlns:pc="http://schemas.microsoft.com/office/infopath/2007/PartnerControls">
   <documentManagement>
@@ -39401,14 +39415,6 @@
 </file>
 
 <file path=customXml/itemProps1.xml><?xml version="1.0" encoding="utf-8"?>
-<ds:datastoreItem xmlns:ds="http://schemas.openxmlformats.org/officeDocument/2006/customXml" ds:itemID="{448EA396-5485-4BE7-B653-403710320F63}">
-  <ds:schemaRefs>
-    <ds:schemaRef ds:uri="http://schemas.microsoft.com/sharepoint/v3/contenttype/forms"/>
-  </ds:schemaRefs>
-</ds:datastoreItem>
-</file>
-
-<file path=customXml/itemProps2.xml><?xml version="1.0" encoding="utf-8"?>
 <ds:datastoreItem xmlns:ds="http://schemas.openxmlformats.org/officeDocument/2006/customXml" ds:itemID="{C0C431E4-CEEE-4471-A938-06556DE848FE}">
   <ds:schemaRefs>
     <ds:schemaRef ds:uri="http://schemas.microsoft.com/office/2006/metadata/contentType"/>
@@ -39427,6 +39433,14 @@
 </ds:datastoreItem>
 </file>
 
+<file path=customXml/itemProps2.xml><?xml version="1.0" encoding="utf-8"?>
+<ds:datastoreItem xmlns:ds="http://schemas.openxmlformats.org/officeDocument/2006/customXml" ds:itemID="{448EA396-5485-4BE7-B653-403710320F63}">
+  <ds:schemaRefs>
+    <ds:schemaRef ds:uri="http://schemas.microsoft.com/sharepoint/v3/contenttype/forms"/>
+  </ds:schemaRefs>
+</ds:datastoreItem>
+</file>
+
 <file path=customXml/itemProps3.xml><?xml version="1.0" encoding="utf-8"?>
 <ds:datastoreItem xmlns:ds="http://schemas.openxmlformats.org/officeDocument/2006/customXml" ds:itemID="{C42A88D8-11C9-4E54-8CC3-A25581E9EC4F}">
   <ds:schemaRefs>
